--- a/APS – MINHA LINGUAGEM DE PROGRAMAÇÃO.pptx
+++ b/APS – MINHA LINGUAGEM DE PROGRAMAÇÃO.pptx
@@ -112,6 +112,11 @@
       </a:defRPr>
     </a:lvl9pPr>
   </p:defaultTextStyle>
+  <p:extLst>
+    <p:ext uri="{EFAFB233-063F-42B5-8137-9DF3F51BA10A}">
+      <p15:sldGuideLst xmlns:p15="http://schemas.microsoft.com/office/powerpoint/2012/main"/>
+    </p:ext>
+  </p:extLst>
 </p:presentation>
 </file>
 
@@ -16101,7 +16106,7 @@
                   <a:schemeClr val="tx1"/>
                 </a:solidFill>
               </a:rPr>
-              <a:t>A ze lo 1</a:t>
+              <a:t>a ze lo 1</a:t>
             </a:r>
           </a:p>
         </p:txBody>

--- a/APS – MINHA LINGUAGEM DE PROGRAMAÇÃO.pptx
+++ b/APS – MINHA LINGUAGEM DE PROGRAMAÇÃO.pptx
@@ -267,7 +267,7 @@
           <a:p>
             <a:fld id="{A6DB111E-2BBC-4A19-AC5A-7193F79F09DA}" type="datetimeFigureOut">
               <a:rPr lang="en-US" smtClean="0"/>
-              <a:t>6/10/2023</a:t>
+              <a:t>6/12/2023</a:t>
             </a:fld>
             <a:endParaRPr lang="en-US"/>
           </a:p>
@@ -465,7 +465,7 @@
           <a:p>
             <a:fld id="{A6DB111E-2BBC-4A19-AC5A-7193F79F09DA}" type="datetimeFigureOut">
               <a:rPr lang="en-US" smtClean="0"/>
-              <a:t>6/10/2023</a:t>
+              <a:t>6/12/2023</a:t>
             </a:fld>
             <a:endParaRPr lang="en-US"/>
           </a:p>
@@ -673,7 +673,7 @@
           <a:p>
             <a:fld id="{A6DB111E-2BBC-4A19-AC5A-7193F79F09DA}" type="datetimeFigureOut">
               <a:rPr lang="en-US" smtClean="0"/>
-              <a:t>6/10/2023</a:t>
+              <a:t>6/12/2023</a:t>
             </a:fld>
             <a:endParaRPr lang="en-US"/>
           </a:p>
@@ -871,7 +871,7 @@
           <a:p>
             <a:fld id="{A6DB111E-2BBC-4A19-AC5A-7193F79F09DA}" type="datetimeFigureOut">
               <a:rPr lang="en-US" smtClean="0"/>
-              <a:t>6/10/2023</a:t>
+              <a:t>6/12/2023</a:t>
             </a:fld>
             <a:endParaRPr lang="en-US"/>
           </a:p>
@@ -1146,7 +1146,7 @@
           <a:p>
             <a:fld id="{A6DB111E-2BBC-4A19-AC5A-7193F79F09DA}" type="datetimeFigureOut">
               <a:rPr lang="en-US" smtClean="0"/>
-              <a:t>6/10/2023</a:t>
+              <a:t>6/12/2023</a:t>
             </a:fld>
             <a:endParaRPr lang="en-US"/>
           </a:p>
@@ -1411,7 +1411,7 @@
           <a:p>
             <a:fld id="{A6DB111E-2BBC-4A19-AC5A-7193F79F09DA}" type="datetimeFigureOut">
               <a:rPr lang="en-US" smtClean="0"/>
-              <a:t>6/10/2023</a:t>
+              <a:t>6/12/2023</a:t>
             </a:fld>
             <a:endParaRPr lang="en-US"/>
           </a:p>
@@ -1823,7 +1823,7 @@
           <a:p>
             <a:fld id="{A6DB111E-2BBC-4A19-AC5A-7193F79F09DA}" type="datetimeFigureOut">
               <a:rPr lang="en-US" smtClean="0"/>
-              <a:t>6/10/2023</a:t>
+              <a:t>6/12/2023</a:t>
             </a:fld>
             <a:endParaRPr lang="en-US"/>
           </a:p>
@@ -1964,7 +1964,7 @@
           <a:p>
             <a:fld id="{A6DB111E-2BBC-4A19-AC5A-7193F79F09DA}" type="datetimeFigureOut">
               <a:rPr lang="en-US" smtClean="0"/>
-              <a:t>6/10/2023</a:t>
+              <a:t>6/12/2023</a:t>
             </a:fld>
             <a:endParaRPr lang="en-US"/>
           </a:p>
@@ -2077,7 +2077,7 @@
           <a:p>
             <a:fld id="{A6DB111E-2BBC-4A19-AC5A-7193F79F09DA}" type="datetimeFigureOut">
               <a:rPr lang="en-US" smtClean="0"/>
-              <a:t>6/10/2023</a:t>
+              <a:t>6/12/2023</a:t>
             </a:fld>
             <a:endParaRPr lang="en-US"/>
           </a:p>
@@ -2388,7 +2388,7 @@
           <a:p>
             <a:fld id="{A6DB111E-2BBC-4A19-AC5A-7193F79F09DA}" type="datetimeFigureOut">
               <a:rPr lang="en-US" smtClean="0"/>
-              <a:t>6/10/2023</a:t>
+              <a:t>6/12/2023</a:t>
             </a:fld>
             <a:endParaRPr lang="en-US"/>
           </a:p>
@@ -2676,7 +2676,7 @@
           <a:p>
             <a:fld id="{A6DB111E-2BBC-4A19-AC5A-7193F79F09DA}" type="datetimeFigureOut">
               <a:rPr lang="en-US" smtClean="0"/>
-              <a:t>6/10/2023</a:t>
+              <a:t>6/12/2023</a:t>
             </a:fld>
             <a:endParaRPr lang="en-US"/>
           </a:p>
@@ -2917,7 +2917,7 @@
           <a:p>
             <a:fld id="{A6DB111E-2BBC-4A19-AC5A-7193F79F09DA}" type="datetimeFigureOut">
               <a:rPr lang="en-US" smtClean="0"/>
-              <a:t>6/10/2023</a:t>
+              <a:t>6/12/2023</a:t>
             </a:fld>
             <a:endParaRPr lang="en-US"/>
           </a:p>
@@ -16753,7 +16753,7 @@
                   <a:schemeClr val="tx1"/>
                 </a:solidFill>
               </a:rPr>
-              <a:t>יח - 18</a:t>
+              <a:t>חי - 18</a:t>
             </a:r>
           </a:p>
           <a:p>
